--- a/Lab 6 + 7/Lab 7 bài giảng.pptx
+++ b/Lab 6 + 7/Lab 7 bài giảng.pptx
@@ -211,7 +211,7 @@
   <pc:docChgLst>
     <pc:chgData name="Hang Anh Le" userId="afddc9ce3bd7fde8" providerId="LiveId" clId="{A179F7F2-AF6E-4512-AA9E-CE1481BBFC08}"/>
     <pc:docChg chg="custSel delSld modSld">
-      <pc:chgData name="Hang Anh Le" userId="afddc9ce3bd7fde8" providerId="LiveId" clId="{A179F7F2-AF6E-4512-AA9E-CE1481BBFC08}" dt="2024-05-03T03:26:36.795" v="14" actId="27636"/>
+      <pc:chgData name="Hang Anh Le" userId="afddc9ce3bd7fde8" providerId="LiveId" clId="{A179F7F2-AF6E-4512-AA9E-CE1481BBFC08}" dt="2024-05-04T00:24:11.420" v="15" actId="113"/>
       <pc:docMkLst>
         <pc:docMk/>
       </pc:docMkLst>
@@ -268,13 +268,13 @@
         </pc:spChg>
       </pc:sldChg>
       <pc:sldChg chg="modSp mod">
-        <pc:chgData name="Hang Anh Le" userId="afddc9ce3bd7fde8" providerId="LiveId" clId="{A179F7F2-AF6E-4512-AA9E-CE1481BBFC08}" dt="2024-05-03T02:51:56.052" v="4" actId="27636"/>
+        <pc:chgData name="Hang Anh Le" userId="afddc9ce3bd7fde8" providerId="LiveId" clId="{A179F7F2-AF6E-4512-AA9E-CE1481BBFC08}" dt="2024-05-04T00:24:11.420" v="15" actId="113"/>
         <pc:sldMkLst>
           <pc:docMk/>
           <pc:sldMk cId="3207950812" sldId="373"/>
         </pc:sldMkLst>
         <pc:spChg chg="mod">
-          <ac:chgData name="Hang Anh Le" userId="afddc9ce3bd7fde8" providerId="LiveId" clId="{A179F7F2-AF6E-4512-AA9E-CE1481BBFC08}" dt="2024-05-03T02:51:56.052" v="4" actId="27636"/>
+          <ac:chgData name="Hang Anh Le" userId="afddc9ce3bd7fde8" providerId="LiveId" clId="{A179F7F2-AF6E-4512-AA9E-CE1481BBFC08}" dt="2024-05-04T00:24:11.420" v="15" actId="113"/>
           <ac:spMkLst>
             <pc:docMk/>
             <pc:sldMk cId="3207950812" sldId="373"/>
@@ -13488,8 +13488,12 @@
               <a:buNone/>
             </a:pPr>
             <a:r>
+              <a:rPr lang="en-US" altLang="en-US" dirty="0"/>
+              <a:t>+</a:t>
+            </a:r>
+            <a:r>
               <a:rPr lang="en-US" altLang="en-US" b="1" dirty="0"/>
-              <a:t>+ </a:t>
+              <a:t> </a:t>
             </a:r>
             <a:r>
               <a:rPr lang="vi-VN" altLang="en-US" b="1" dirty="0"/>
